--- a/Precios.pptx
+++ b/Precios.pptx
@@ -104,6 +104,11 @@
       </a:defRPr>
     </a:lvl9pPr>
   </p:defaultTextStyle>
+  <p:extLst>
+    <p:ext uri="{EFAFB233-063F-42B5-8137-9DF3F51BA10A}">
+      <p15:sldGuideLst xmlns:p15="http://schemas.microsoft.com/office/powerpoint/2012/main"/>
+    </p:ext>
+  </p:extLst>
 </p:presentation>
 </file>
 
@@ -902,7 +907,7 @@
             <a:fld id="{B61BEF0D-F0BB-DE4B-95CE-6DB70DBA9567}" type="datetimeFigureOut">
               <a:rPr lang="en-US" smtClean="0"/>
               <a:pPr/>
-              <a:t>12/28/2016</a:t>
+              <a:t>1/2/2017</a:t>
             </a:fld>
             <a:endParaRPr lang="en-US" dirty="0"/>
           </a:p>
@@ -1155,7 +1160,7 @@
             <a:fld id="{B61BEF0D-F0BB-DE4B-95CE-6DB70DBA9567}" type="datetimeFigureOut">
               <a:rPr lang="en-US" smtClean="0"/>
               <a:pPr/>
-              <a:t>12/28/2016</a:t>
+              <a:t>1/2/2017</a:t>
             </a:fld>
             <a:endParaRPr lang="en-US" dirty="0"/>
           </a:p>
@@ -1471,7 +1476,7 @@
             <a:fld id="{B61BEF0D-F0BB-DE4B-95CE-6DB70DBA9567}" type="datetimeFigureOut">
               <a:rPr lang="en-US" smtClean="0"/>
               <a:pPr/>
-              <a:t>12/28/2016</a:t>
+              <a:t>1/2/2017</a:t>
             </a:fld>
             <a:endParaRPr lang="en-US" dirty="0"/>
           </a:p>
@@ -1806,7 +1811,7 @@
             <a:fld id="{B61BEF0D-F0BB-DE4B-95CE-6DB70DBA9567}" type="datetimeFigureOut">
               <a:rPr lang="en-US" smtClean="0"/>
               <a:pPr/>
-              <a:t>12/28/2016</a:t>
+              <a:t>1/2/2017</a:t>
             </a:fld>
             <a:endParaRPr lang="en-US" dirty="0"/>
           </a:p>
@@ -2122,7 +2127,7 @@
             <a:fld id="{B61BEF0D-F0BB-DE4B-95CE-6DB70DBA9567}" type="datetimeFigureOut">
               <a:rPr lang="en-US" smtClean="0"/>
               <a:pPr/>
-              <a:t>12/28/2016</a:t>
+              <a:t>1/2/2017</a:t>
             </a:fld>
             <a:endParaRPr lang="en-US" dirty="0"/>
           </a:p>
@@ -2517,7 +2522,7 @@
             <a:fld id="{B61BEF0D-F0BB-DE4B-95CE-6DB70DBA9567}" type="datetimeFigureOut">
               <a:rPr lang="en-US" smtClean="0"/>
               <a:pPr/>
-              <a:t>12/28/2016</a:t>
+              <a:t>1/2/2017</a:t>
             </a:fld>
             <a:endParaRPr lang="en-US" dirty="0"/>
           </a:p>
@@ -2688,7 +2693,7 @@
           <a:p>
             <a:fld id="{55C6B4A9-1611-4792-9094-5F34BCA07E0B}" type="datetimeFigureOut">
               <a:rPr lang="en-US" smtClean="0"/>
-              <a:t>12/28/2016</a:t>
+              <a:t>1/2/2017</a:t>
             </a:fld>
             <a:endParaRPr lang="en-US" dirty="0"/>
           </a:p>
@@ -2869,7 +2874,7 @@
             <a:fld id="{B61BEF0D-F0BB-DE4B-95CE-6DB70DBA9567}" type="datetimeFigureOut">
               <a:rPr lang="en-US" smtClean="0"/>
               <a:pPr/>
-              <a:t>12/28/2016</a:t>
+              <a:t>1/2/2017</a:t>
             </a:fld>
             <a:endParaRPr lang="en-US" dirty="0"/>
           </a:p>
@@ -3041,7 +3046,7 @@
             <a:fld id="{B61BEF0D-F0BB-DE4B-95CE-6DB70DBA9567}" type="datetimeFigureOut">
               <a:rPr lang="en-US" smtClean="0"/>
               <a:pPr/>
-              <a:t>12/28/2016</a:t>
+              <a:t>1/2/2017</a:t>
             </a:fld>
             <a:endParaRPr lang="en-US" dirty="0"/>
           </a:p>
@@ -3290,7 +3295,7 @@
             <a:fld id="{B61BEF0D-F0BB-DE4B-95CE-6DB70DBA9567}" type="datetimeFigureOut">
               <a:rPr lang="en-US" smtClean="0"/>
               <a:pPr/>
-              <a:t>12/28/2016</a:t>
+              <a:t>1/2/2017</a:t>
             </a:fld>
             <a:endParaRPr lang="en-US" dirty="0"/>
           </a:p>
@@ -3588,7 +3593,7 @@
           <a:p>
             <a:fld id="{EB712588-04B1-427B-82EE-E8DB90309F08}" type="datetimeFigureOut">
               <a:rPr lang="en-US" smtClean="0"/>
-              <a:t>12/28/2016</a:t>
+              <a:t>1/2/2017</a:t>
             </a:fld>
             <a:endParaRPr lang="en-US" dirty="0"/>
           </a:p>
@@ -3968,7 +3973,7 @@
             <a:fld id="{B61BEF0D-F0BB-DE4B-95CE-6DB70DBA9567}" type="datetimeFigureOut">
               <a:rPr lang="en-US" smtClean="0"/>
               <a:pPr/>
-              <a:t>12/28/2016</a:t>
+              <a:t>1/2/2017</a:t>
             </a:fld>
             <a:endParaRPr lang="en-US" dirty="0"/>
           </a:p>
@@ -4093,7 +4098,7 @@
             <a:fld id="{B61BEF0D-F0BB-DE4B-95CE-6DB70DBA9567}" type="datetimeFigureOut">
               <a:rPr lang="en-US" smtClean="0"/>
               <a:pPr/>
-              <a:t>12/28/2016</a:t>
+              <a:t>1/2/2017</a:t>
             </a:fld>
             <a:endParaRPr lang="en-US" dirty="0"/>
           </a:p>
@@ -4190,7 +4195,7 @@
             <a:fld id="{B61BEF0D-F0BB-DE4B-95CE-6DB70DBA9567}" type="datetimeFigureOut">
               <a:rPr lang="en-US" smtClean="0"/>
               <a:pPr/>
-              <a:t>12/28/2016</a:t>
+              <a:t>1/2/2017</a:t>
             </a:fld>
             <a:endParaRPr lang="en-US" dirty="0"/>
           </a:p>
@@ -4446,7 +4451,7 @@
           <a:p>
             <a:fld id="{42A54C80-263E-416B-A8E0-580EDEADCBDC}" type="datetimeFigureOut">
               <a:rPr lang="en-US" smtClean="0"/>
-              <a:t>12/28/2016</a:t>
+              <a:t>1/2/2017</a:t>
             </a:fld>
             <a:endParaRPr lang="en-US" dirty="0"/>
           </a:p>
@@ -4710,7 +4715,7 @@
             <a:fld id="{B61BEF0D-F0BB-DE4B-95CE-6DB70DBA9567}" type="datetimeFigureOut">
               <a:rPr lang="en-US" smtClean="0"/>
               <a:pPr/>
-              <a:t>12/28/2016</a:t>
+              <a:t>1/2/2017</a:t>
             </a:fld>
             <a:endParaRPr lang="en-US" dirty="0"/>
           </a:p>
@@ -5526,7 +5531,7 @@
             <a:fld id="{B61BEF0D-F0BB-DE4B-95CE-6DB70DBA9567}" type="datetimeFigureOut">
               <a:rPr lang="en-US" smtClean="0"/>
               <a:pPr/>
-              <a:t>12/28/2016</a:t>
+              <a:t>1/2/2017</a:t>
             </a:fld>
             <a:endParaRPr lang="en-US" dirty="0"/>
           </a:p>
@@ -6060,7 +6065,7 @@
           <p:nvPr>
             <p:extLst>
               <p:ext uri="{D42A27DB-BD31-4B8C-83A1-F6EECF244321}">
-                <p14:modId xmlns:p14="http://schemas.microsoft.com/office/powerpoint/2010/main" val="4138511373"/>
+                <p14:modId xmlns:p14="http://schemas.microsoft.com/office/powerpoint/2010/main" val="871320259"/>
               </p:ext>
             </p:extLst>
           </p:nvPr>
@@ -6116,7 +6121,7 @@
                   </a:txBody>
                   <a:tcPr anchor="ctr">
                     <a:solidFill>
-                      <a:srgbClr val="F1960F"/>
+                      <a:schemeClr val="accent2"/>
                     </a:solidFill>
                   </a:tcPr>
                 </a:tc>
@@ -6150,13 +6155,23 @@
                           <a:effectLst/>
                           <a:latin typeface="Calibri" panose="020F0502020204030204" pitchFamily="34" charset="0"/>
                         </a:rPr>
-                        <a:t>Precio Público</a:t>
+                        <a:t>Precio </a:t>
+                      </a:r>
+                      <a:r>
+                        <a:rPr lang="es-MX" sz="1400" b="0" i="1" u="none" strike="noStrike" dirty="0" smtClean="0">
+                          <a:solidFill>
+                            <a:srgbClr val="000000"/>
+                          </a:solidFill>
+                          <a:effectLst/>
+                          <a:latin typeface="Calibri" panose="020F0502020204030204" pitchFamily="34" charset="0"/>
+                        </a:rPr>
+                        <a:t>Público</a:t>
                       </a:r>
                     </a:p>
                   </a:txBody>
                   <a:tcPr anchor="ctr">
                     <a:solidFill>
-                      <a:srgbClr val="F1960F"/>
+                      <a:schemeClr val="accent2"/>
                     </a:solidFill>
                   </a:tcPr>
                 </a:tc>
@@ -8486,7 +8501,7 @@
           <p:nvPr>
             <p:extLst>
               <p:ext uri="{D42A27DB-BD31-4B8C-83A1-F6EECF244321}">
-                <p14:modId xmlns:p14="http://schemas.microsoft.com/office/powerpoint/2010/main" val="1673432794"/>
+                <p14:modId xmlns:p14="http://schemas.microsoft.com/office/powerpoint/2010/main" val="1738373525"/>
               </p:ext>
             </p:extLst>
           </p:nvPr>
@@ -8519,7 +8534,7 @@
                   </a:txBody>
                   <a:tcPr anchor="ctr">
                     <a:solidFill>
-                      <a:srgbClr val="F1960F"/>
+                      <a:schemeClr val="accent2"/>
                     </a:solidFill>
                   </a:tcPr>
                 </a:tc>
